--- a/r-and-rstudio/R-RStudio.pptx
+++ b/r-and-rstudio/R-RStudio.pptx
@@ -3640,9 +3640,43 @@
           </a:p>
         </p:txBody>
       </p:sp>
+      <p:sp>
+        <p:nvSpPr>
+          <p:cNvPr id="5" name="TextBox 4"/>
+          <p:cNvSpPr txBox="1"/>
+          <p:nvPr/>
+        </p:nvSpPr>
+        <p:spPr>
+          <a:xfrm>
+            <a:off x="4061761" y="6276444"/>
+            <a:ext cx="1626129" cy="369332"/>
+          </a:xfrm>
+          <a:prstGeom prst="rect">
+            <a:avLst/>
+          </a:prstGeom>
+          <a:noFill/>
+        </p:spPr>
+        <p:txBody>
+          <a:bodyPr wrap="none" rtlCol="0">
+            <a:spAutoFit/>
+          </a:bodyPr>
+          <a:lstStyle/>
+          <a:p>
+            <a:r>
+              <a:rPr lang="en-US" dirty="0"/>
+              <a:t>p</a:t>
+            </a:r>
+            <a:r>
+              <a:rPr lang="en-US" dirty="0" smtClean="0"/>
+              <a:t>-value = 0.048</a:t>
+            </a:r>
+            <a:endParaRPr lang="en-US" dirty="0"/>
+          </a:p>
+        </p:txBody>
+      </p:sp>
       <p:pic>
         <p:nvPicPr>
-          <p:cNvPr id="4" name="Content Placeholder 3" descr="dynamite-plot.pdf"/>
+          <p:cNvPr id="13" name="Content Placeholder 12" descr="dynamite-plot.pdf"/>
           <p:cNvPicPr>
             <a:picLocks noGrp="1" noChangeAspect="1"/>
           </p:cNvPicPr>
@@ -3665,44 +3699,6 @@
         </p:blipFill>
         <p:spPr/>
       </p:pic>
-      <p:sp>
-        <p:nvSpPr>
-          <p:cNvPr id="5" name="TextBox 4"/>
-          <p:cNvSpPr txBox="1"/>
-          <p:nvPr/>
-        </p:nvSpPr>
-        <p:spPr>
-          <a:xfrm>
-            <a:off x="4051682" y="6276444"/>
-            <a:ext cx="1509135" cy="369332"/>
-          </a:xfrm>
-          <a:prstGeom prst="rect">
-            <a:avLst/>
-          </a:prstGeom>
-          <a:noFill/>
-        </p:spPr>
-        <p:txBody>
-          <a:bodyPr wrap="none" rtlCol="0">
-            <a:spAutoFit/>
-          </a:bodyPr>
-          <a:lstStyle/>
-          <a:p>
-            <a:r>
-              <a:rPr lang="en-US" dirty="0"/>
-              <a:t>p</a:t>
-            </a:r>
-            <a:r>
-              <a:rPr lang="en-US" smtClean="0"/>
-              <a:t>-</a:t>
-            </a:r>
-            <a:r>
-              <a:rPr lang="en-US" dirty="0" smtClean="0"/>
-              <a:t>value = 0.04</a:t>
-            </a:r>
-            <a:endParaRPr lang="en-US" dirty="0"/>
-          </a:p>
-        </p:txBody>
-      </p:sp>
     </p:spTree>
     <p:extLst>
       <p:ext uri="{BB962C8B-B14F-4D97-AF65-F5344CB8AC3E}">
@@ -3716,75 +3712,7 @@
   <p:timing>
     <p:tnLst>
       <p:par>
-        <p:cTn xmlns:p14="http://schemas.microsoft.com/office/powerpoint/2010/main" id="1" dur="indefinite" restart="never" nodeType="tmRoot">
-          <p:childTnLst>
-            <p:seq concurrent="1" nextAc="seek">
-              <p:cTn id="2" dur="indefinite" nodeType="mainSeq">
-                <p:childTnLst>
-                  <p:par>
-                    <p:cTn id="3" fill="hold">
-                      <p:stCondLst>
-                        <p:cond delay="indefinite"/>
-                      </p:stCondLst>
-                      <p:childTnLst>
-                        <p:par>
-                          <p:cTn id="4" fill="hold">
-                            <p:stCondLst>
-                              <p:cond delay="0"/>
-                            </p:stCondLst>
-                            <p:childTnLst>
-                              <p:par>
-                                <p:cTn id="5" presetID="1" presetClass="entr" presetSubtype="0" fill="hold" nodeType="clickEffect">
-                                  <p:stCondLst>
-                                    <p:cond delay="0"/>
-                                  </p:stCondLst>
-                                  <p:childTnLst>
-                                    <p:set>
-                                      <p:cBhvr>
-                                        <p:cTn id="6" dur="1" fill="hold">
-                                          <p:stCondLst>
-                                            <p:cond delay="0"/>
-                                          </p:stCondLst>
-                                        </p:cTn>
-                                        <p:tgtEl>
-                                          <p:spTgt spid="4"/>
-                                        </p:tgtEl>
-                                        <p:attrNameLst>
-                                          <p:attrName>style.visibility</p:attrName>
-                                        </p:attrNameLst>
-                                      </p:cBhvr>
-                                      <p:to>
-                                        <p:strVal val="visible"/>
-                                      </p:to>
-                                    </p:set>
-                                  </p:childTnLst>
-                                </p:cTn>
-                              </p:par>
-                            </p:childTnLst>
-                          </p:cTn>
-                        </p:par>
-                      </p:childTnLst>
-                    </p:cTn>
-                  </p:par>
-                </p:childTnLst>
-              </p:cTn>
-              <p:prevCondLst>
-                <p:cond evt="onPrev" delay="0">
-                  <p:tgtEl>
-                    <p:sldTgt/>
-                  </p:tgtEl>
-                </p:cond>
-              </p:prevCondLst>
-              <p:nextCondLst>
-                <p:cond evt="onNext" delay="0">
-                  <p:tgtEl>
-                    <p:sldTgt/>
-                  </p:tgtEl>
-                </p:cond>
-              </p:nextCondLst>
-            </p:seq>
-          </p:childTnLst>
-        </p:cTn>
+        <p:cTn xmlns:p14="http://schemas.microsoft.com/office/powerpoint/2010/main" id="1" dur="indefinite" restart="never" nodeType="tmRoot"/>
       </p:par>
     </p:tnLst>
   </p:timing>
